--- a/Runtime Orchestration introduction v4.pptx
+++ b/Runtime Orchestration introduction v4.pptx
@@ -300,7 +300,7 @@
           <a:p>
             <a:fld id="{91A8EF76-F57A-4247-8086-FE3D9DDD7691}" type="datetimeFigureOut">
               <a:rPr lang="en-US" smtClean="0"/>
-              <a:t>2/21/2021</a:t>
+              <a:t>2/27/2021</a:t>
             </a:fld>
             <a:endParaRPr lang="en-US"/>
           </a:p>
@@ -470,7 +470,7 @@
           <a:p>
             <a:fld id="{91A8EF76-F57A-4247-8086-FE3D9DDD7691}" type="datetimeFigureOut">
               <a:rPr lang="en-US" smtClean="0"/>
-              <a:t>2/21/2021</a:t>
+              <a:t>2/27/2021</a:t>
             </a:fld>
             <a:endParaRPr lang="en-US"/>
           </a:p>
@@ -650,7 +650,7 @@
           <a:p>
             <a:fld id="{91A8EF76-F57A-4247-8086-FE3D9DDD7691}" type="datetimeFigureOut">
               <a:rPr lang="en-US" smtClean="0"/>
-              <a:t>2/21/2021</a:t>
+              <a:t>2/27/2021</a:t>
             </a:fld>
             <a:endParaRPr lang="en-US"/>
           </a:p>
@@ -820,7 +820,7 @@
           <a:p>
             <a:fld id="{91A8EF76-F57A-4247-8086-FE3D9DDD7691}" type="datetimeFigureOut">
               <a:rPr lang="en-US" smtClean="0"/>
-              <a:t>2/21/2021</a:t>
+              <a:t>2/27/2021</a:t>
             </a:fld>
             <a:endParaRPr lang="en-US"/>
           </a:p>
@@ -1066,7 +1066,7 @@
           <a:p>
             <a:fld id="{91A8EF76-F57A-4247-8086-FE3D9DDD7691}" type="datetimeFigureOut">
               <a:rPr lang="en-US" smtClean="0"/>
-              <a:t>2/21/2021</a:t>
+              <a:t>2/27/2021</a:t>
             </a:fld>
             <a:endParaRPr lang="en-US"/>
           </a:p>
@@ -1298,7 +1298,7 @@
           <a:p>
             <a:fld id="{91A8EF76-F57A-4247-8086-FE3D9DDD7691}" type="datetimeFigureOut">
               <a:rPr lang="en-US" smtClean="0"/>
-              <a:t>2/21/2021</a:t>
+              <a:t>2/27/2021</a:t>
             </a:fld>
             <a:endParaRPr lang="en-US"/>
           </a:p>
@@ -1665,7 +1665,7 @@
           <a:p>
             <a:fld id="{91A8EF76-F57A-4247-8086-FE3D9DDD7691}" type="datetimeFigureOut">
               <a:rPr lang="en-US" smtClean="0"/>
-              <a:t>2/21/2021</a:t>
+              <a:t>2/27/2021</a:t>
             </a:fld>
             <a:endParaRPr lang="en-US"/>
           </a:p>
@@ -1783,7 +1783,7 @@
           <a:p>
             <a:fld id="{91A8EF76-F57A-4247-8086-FE3D9DDD7691}" type="datetimeFigureOut">
               <a:rPr lang="en-US" smtClean="0"/>
-              <a:t>2/21/2021</a:t>
+              <a:t>2/27/2021</a:t>
             </a:fld>
             <a:endParaRPr lang="en-US"/>
           </a:p>
@@ -1878,7 +1878,7 @@
           <a:p>
             <a:fld id="{91A8EF76-F57A-4247-8086-FE3D9DDD7691}" type="datetimeFigureOut">
               <a:rPr lang="en-US" smtClean="0"/>
-              <a:t>2/21/2021</a:t>
+              <a:t>2/27/2021</a:t>
             </a:fld>
             <a:endParaRPr lang="en-US"/>
           </a:p>
@@ -2155,7 +2155,7 @@
           <a:p>
             <a:fld id="{91A8EF76-F57A-4247-8086-FE3D9DDD7691}" type="datetimeFigureOut">
               <a:rPr lang="en-US" smtClean="0"/>
-              <a:t>2/21/2021</a:t>
+              <a:t>2/27/2021</a:t>
             </a:fld>
             <a:endParaRPr lang="en-US"/>
           </a:p>
@@ -2408,7 +2408,7 @@
           <a:p>
             <a:fld id="{91A8EF76-F57A-4247-8086-FE3D9DDD7691}" type="datetimeFigureOut">
               <a:rPr lang="en-US" smtClean="0"/>
-              <a:t>2/21/2021</a:t>
+              <a:t>2/27/2021</a:t>
             </a:fld>
             <a:endParaRPr lang="en-US"/>
           </a:p>
@@ -2621,7 +2621,7 @@
           <a:p>
             <a:fld id="{91A8EF76-F57A-4247-8086-FE3D9DDD7691}" type="datetimeFigureOut">
               <a:rPr lang="en-US" smtClean="0"/>
-              <a:t>2/21/2021</a:t>
+              <a:t>2/27/2021</a:t>
             </a:fld>
             <a:endParaRPr lang="en-US"/>
           </a:p>
@@ -3534,11 +3534,7 @@
           <a:p>
             <a:r>
               <a:rPr lang="en-US" dirty="0" smtClean="0"/>
-              <a:t>Sample File Import </a:t>
-            </a:r>
-            <a:r>
-              <a:rPr lang="en-US" dirty="0" smtClean="0"/>
-              <a:t>Controller</a:t>
+              <a:t>Sample File Import Controller</a:t>
             </a:r>
             <a:endParaRPr lang="en-US" dirty="0"/>
           </a:p>
@@ -3674,11 +3670,7 @@
             </a:r>
             <a:r>
               <a:rPr lang="en-US" sz="1000" dirty="0" smtClean="0"/>
-              <a:t> </a:t>
-            </a:r>
-            <a:r>
-              <a:rPr lang="en-US" sz="1000" dirty="0" smtClean="0"/>
-              <a:t>trans controller as subsequent</a:t>
+              <a:t> trans controller as subsequent</a:t>
             </a:r>
             <a:endParaRPr lang="en-US" sz="1000" dirty="0"/>
           </a:p>
@@ -3834,11 +3826,7 @@
             </a:r>
             <a:r>
               <a:rPr lang="en-US" sz="1000" dirty="0" smtClean="0"/>
-              <a:t>  </a:t>
-            </a:r>
-            <a:r>
-              <a:rPr lang="en-US" sz="1000" dirty="0" smtClean="0"/>
-              <a:t>Batch controller as subsequent</a:t>
+              <a:t>  Batch controller as subsequent</a:t>
             </a:r>
             <a:endParaRPr lang="en-US" sz="1000" dirty="0"/>
           </a:p>
@@ -4164,19 +4152,11 @@
           <a:p>
             <a:r>
               <a:rPr lang="en-US" sz="1400" b="1" dirty="0" smtClean="0"/>
-              <a:t>Customer </a:t>
-            </a:r>
-            <a:r>
-              <a:rPr lang="en-US" sz="1400" b="1" dirty="0" smtClean="0"/>
-              <a:t>Option </a:t>
+              <a:t>Customer Option </a:t>
             </a:r>
             <a:r>
               <a:rPr lang="en-US" sz="1400" dirty="0" smtClean="0"/>
-              <a:t>Batch</a:t>
-            </a:r>
-            <a:r>
-              <a:rPr lang="en-US" sz="1400" dirty="0" smtClean="0"/>
-              <a:t>? </a:t>
+              <a:t>Batch? </a:t>
             </a:r>
           </a:p>
           <a:p>
@@ -4203,11 +4183,7 @@
             </a:r>
             <a:r>
               <a:rPr lang="en-US" sz="1400" dirty="0" smtClean="0"/>
-              <a:t>   R</a:t>
-            </a:r>
-            <a:r>
-              <a:rPr lang="en-US" sz="1400" dirty="0" smtClean="0"/>
-              <a:t>egister Transaction Controller as subsequent service</a:t>
+              <a:t>   Register Transaction Controller as subsequent service</a:t>
             </a:r>
           </a:p>
           <a:p>
@@ -4225,11 +4201,7 @@
           <a:p>
             <a:r>
               <a:rPr lang="en-US" sz="1400" dirty="0" smtClean="0"/>
-              <a:t>Release </a:t>
-            </a:r>
-            <a:r>
-              <a:rPr lang="en-US" sz="1400" dirty="0" smtClean="0"/>
-              <a:t>the services</a:t>
+              <a:t>Release the services</a:t>
             </a:r>
             <a:endParaRPr lang="en-US" sz="1400" dirty="0"/>
           </a:p>
@@ -4574,11 +4546,7 @@
           <a:p>
             <a:r>
               <a:rPr lang="en-US" dirty="0" smtClean="0"/>
-              <a:t>Sample </a:t>
-            </a:r>
-            <a:r>
-              <a:rPr lang="en-US" dirty="0" smtClean="0"/>
-              <a:t>Batch Controller</a:t>
+              <a:t>Sample Batch Controller</a:t>
             </a:r>
             <a:endParaRPr lang="en-US" dirty="0"/>
           </a:p>
@@ -4786,7 +4754,6 @@
               <a:rPr lang="en-US" sz="1000" dirty="0"/>
               <a:t>subsequent</a:t>
             </a:r>
-            <a:endParaRPr lang="en-US" sz="1000" dirty="0"/>
           </a:p>
         </p:txBody>
       </p:sp>
@@ -4832,11 +4799,7 @@
             </a:r>
             <a:r>
               <a:rPr lang="en-US" sz="1000" dirty="0" smtClean="0"/>
-              <a:t> Validation </a:t>
-            </a:r>
-            <a:r>
-              <a:rPr lang="en-US" sz="1000" dirty="0" smtClean="0"/>
-              <a:t>trans as Contained</a:t>
+              <a:t> Validation trans as Contained</a:t>
             </a:r>
             <a:endParaRPr lang="en-US" sz="1000" dirty="0"/>
           </a:p>
@@ -5086,15 +5049,7 @@
           <a:p>
             <a:r>
               <a:rPr lang="en-US" dirty="0" smtClean="0"/>
-              <a:t>Sample </a:t>
-            </a:r>
-            <a:r>
-              <a:rPr lang="en-US" dirty="0" smtClean="0"/>
-              <a:t>Evaluate </a:t>
-            </a:r>
-            <a:r>
-              <a:rPr lang="en-US" dirty="0" smtClean="0"/>
-              <a:t>Batch Service</a:t>
+              <a:t>Sample Evaluate Batch Service</a:t>
             </a:r>
             <a:endParaRPr lang="en-US" dirty="0"/>
           </a:p>
@@ -5810,36 +5765,16 @@
           <a:p>
             <a:r>
               <a:rPr lang="en-US" sz="1400" dirty="0" smtClean="0"/>
-              <a:t>Bulk Clear</a:t>
-            </a:r>
+              <a:t>Bulk Clear: Create a new bulk clear service</a:t>
+            </a:r>
+          </a:p>
+          <a:p>
+            <a:endParaRPr lang="en-US" sz="1400" dirty="0"/>
+          </a:p>
+          <a:p>
             <a:r>
               <a:rPr lang="en-US" sz="1400" dirty="0" smtClean="0"/>
-              <a:t>: Create </a:t>
-            </a:r>
-            <a:r>
-              <a:rPr lang="en-US" sz="1400" dirty="0" smtClean="0"/>
-              <a:t>a new bulk clear </a:t>
-            </a:r>
-            <a:r>
-              <a:rPr lang="en-US" sz="1400" dirty="0" smtClean="0"/>
-              <a:t>service</a:t>
-            </a:r>
-          </a:p>
-          <a:p>
-            <a:endParaRPr lang="en-US" sz="1400" dirty="0"/>
-          </a:p>
-          <a:p>
-            <a:r>
-              <a:rPr lang="en-US" sz="1400" dirty="0" smtClean="0"/>
-              <a:t>Individual Clear: Create </a:t>
-            </a:r>
-            <a:r>
-              <a:rPr lang="en-US" sz="1400" dirty="0" smtClean="0"/>
-              <a:t>an individual clear service for </a:t>
-            </a:r>
-            <a:r>
-              <a:rPr lang="en-US" sz="1400" dirty="0" smtClean="0"/>
-              <a:t>each transaction</a:t>
+              <a:t>Individual Clear: Create an individual clear service for each transaction</a:t>
             </a:r>
             <a:endParaRPr lang="en-US" sz="1400" dirty="0"/>
           </a:p>
@@ -5899,11 +5834,7 @@
           <a:p>
             <a:r>
               <a:rPr lang="en-US" dirty="0" smtClean="0"/>
-              <a:t>Sample </a:t>
-            </a:r>
-            <a:r>
-              <a:rPr lang="en-US" dirty="0" smtClean="0"/>
-              <a:t>Transaction Controller</a:t>
+              <a:t>Sample Transaction Controller</a:t>
             </a:r>
             <a:endParaRPr lang="en-US" dirty="0"/>
           </a:p>
@@ -6039,11 +5970,7 @@
             </a:r>
             <a:r>
               <a:rPr lang="en-US" sz="1000" dirty="0" smtClean="0"/>
-              <a:t> </a:t>
-            </a:r>
-            <a:r>
-              <a:rPr lang="en-US" sz="1000" dirty="0" smtClean="0"/>
-              <a:t>validation as independent</a:t>
+              <a:t> validation as independent</a:t>
             </a:r>
             <a:endParaRPr lang="en-US" sz="1000" dirty="0"/>
           </a:p>
@@ -6165,10 +6092,6 @@
               <a:rPr lang="en-US" sz="1000" dirty="0" smtClean="0"/>
               <a:t>  </a:t>
             </a:r>
-            <a:r>
-              <a:rPr lang="en-US" sz="1000" dirty="0" smtClean="0"/>
-              <a:t/>
-            </a:r>
             <a:br>
               <a:rPr lang="en-US" sz="1000" dirty="0" smtClean="0"/>
             </a:br>
@@ -6318,11 +6241,7 @@
           <a:p>
             <a:r>
               <a:rPr lang="en-US" sz="800" dirty="0" smtClean="0"/>
-              <a:t>No </a:t>
-            </a:r>
-            <a:r>
-              <a:rPr lang="en-US" sz="800" dirty="0" smtClean="0"/>
-              <a:t>Individual</a:t>
+              <a:t>No Individual</a:t>
             </a:r>
             <a:endParaRPr lang="en-US" sz="800" dirty="0"/>
           </a:p>
@@ -6462,17 +6381,12 @@
           <a:p>
             <a:r>
               <a:rPr lang="en-US" sz="1400" b="1" dirty="0" smtClean="0"/>
-              <a:t>Customer </a:t>
-            </a:r>
-            <a:r>
-              <a:rPr lang="en-US" sz="1400" b="1" dirty="0" smtClean="0"/>
-              <a:t>Option </a:t>
+              <a:t>Customer Option </a:t>
             </a:r>
             <a:r>
               <a:rPr lang="en-US" sz="1400" dirty="0" smtClean="0"/>
               <a:t>Bulk Clear</a:t>
             </a:r>
-            <a:endParaRPr lang="en-US" sz="1400" dirty="0" smtClean="0"/>
           </a:p>
           <a:p>
             <a:r>
@@ -6526,7 +6440,6 @@
               <a:rPr lang="en-US" sz="1400" dirty="0" smtClean="0"/>
               <a:t>independent</a:t>
             </a:r>
-            <a:endParaRPr lang="en-US" sz="1400" dirty="0" smtClean="0"/>
           </a:p>
           <a:p>
             <a:r>
@@ -6657,11 +6570,7 @@
             </a:r>
             <a:r>
               <a:rPr lang="en-US" sz="1000" dirty="0" smtClean="0"/>
-              <a:t> Validation </a:t>
-            </a:r>
-            <a:r>
-              <a:rPr lang="en-US" sz="1000" dirty="0" smtClean="0"/>
-              <a:t>trans as Contained</a:t>
+              <a:t> Validation trans as Contained</a:t>
             </a:r>
             <a:endParaRPr lang="en-US" sz="1000" dirty="0"/>
           </a:p>
@@ -6815,11 +6724,7 @@
             </a:r>
             <a:r>
               <a:rPr lang="en-US" sz="1000" dirty="0" smtClean="0"/>
-              <a:t> </a:t>
-            </a:r>
-            <a:r>
-              <a:rPr lang="en-US" sz="1000" dirty="0" smtClean="0"/>
-              <a:t>clear individual as sub to </a:t>
+              <a:t> clear individual as sub to </a:t>
             </a:r>
             <a:r>
               <a:rPr lang="en-US" sz="1000" dirty="0" err="1" smtClean="0"/>
@@ -8598,7 +8503,15 @@
             </a:pPr>
             <a:r>
               <a:rPr lang="en-US" sz="2000" dirty="0" smtClean="0"/>
-              <a:t>Subject matter experts, with simple “if then else” flow logic, can document those process flows.  Developers who are trained in creating simple HTTP post interfaces can take those process designs and create mini services, while at the same time coordinating the business process flow.  The platform would control the state of the process execution and the instantiation of the </a:t>
+              <a:t>Subject matter experts, with simple “if </a:t>
+            </a:r>
+            <a:r>
+              <a:rPr lang="en-US" sz="2000" dirty="0" smtClean="0"/>
+              <a:t>then” </a:t>
+            </a:r>
+            <a:r>
+              <a:rPr lang="en-US" sz="2000" dirty="0" smtClean="0"/>
+              <a:t>flow logic, can document those process flows.  Developers who are trained in creating simple HTTP post interfaces can take those process designs and create mini services, while at the same time coordinating the business process flow.  The platform would control the state of the process execution and the instantiation of the </a:t>
             </a:r>
             <a:r>
               <a:rPr lang="en-US" sz="2000" dirty="0"/>
